--- a/documentation/Presentation/The Barn projekt(vázlat).pptx
+++ b/documentation/Presentation/The Barn projekt(vázlat).pptx
@@ -113,6 +113,11 @@
       </a:defRPr>
     </a:lvl9pPr>
   </p:defaultTextStyle>
+  <p:extLst>
+    <p:ext uri="{EFAFB233-063F-42B5-8137-9DF3F51BA10A}">
+      <p15:sldGuideLst xmlns:p15="http://schemas.microsoft.com/office/powerpoint/2012/main"/>
+    </p:ext>
+  </p:extLst>
 </p:presentation>
 </file>
 
@@ -263,7 +268,7 @@
           <a:p>
             <a:fld id="{E34268A9-6401-456F-9641-13F51A669EB9}" type="datetimeFigureOut">
               <a:rPr lang="en-US" smtClean="0"/>
-              <a:t>10/12/2024</a:t>
+              <a:t>10/13/24</a:t>
             </a:fld>
             <a:endParaRPr lang="en-US"/>
           </a:p>
@@ -461,7 +466,7 @@
           <a:p>
             <a:fld id="{E34268A9-6401-456F-9641-13F51A669EB9}" type="datetimeFigureOut">
               <a:rPr lang="en-US" smtClean="0"/>
-              <a:t>10/12/2024</a:t>
+              <a:t>10/13/24</a:t>
             </a:fld>
             <a:endParaRPr lang="en-US"/>
           </a:p>
@@ -669,7 +674,7 @@
           <a:p>
             <a:fld id="{E34268A9-6401-456F-9641-13F51A669EB9}" type="datetimeFigureOut">
               <a:rPr lang="en-US" smtClean="0"/>
-              <a:t>10/12/2024</a:t>
+              <a:t>10/13/24</a:t>
             </a:fld>
             <a:endParaRPr lang="en-US"/>
           </a:p>
@@ -867,7 +872,7 @@
           <a:p>
             <a:fld id="{E34268A9-6401-456F-9641-13F51A669EB9}" type="datetimeFigureOut">
               <a:rPr lang="en-US" smtClean="0"/>
-              <a:t>10/12/2024</a:t>
+              <a:t>10/13/24</a:t>
             </a:fld>
             <a:endParaRPr lang="en-US"/>
           </a:p>
@@ -1142,7 +1147,7 @@
           <a:p>
             <a:fld id="{E34268A9-6401-456F-9641-13F51A669EB9}" type="datetimeFigureOut">
               <a:rPr lang="en-US" smtClean="0"/>
-              <a:t>10/12/2024</a:t>
+              <a:t>10/13/24</a:t>
             </a:fld>
             <a:endParaRPr lang="en-US"/>
           </a:p>
@@ -1407,7 +1412,7 @@
           <a:p>
             <a:fld id="{E34268A9-6401-456F-9641-13F51A669EB9}" type="datetimeFigureOut">
               <a:rPr lang="en-US" smtClean="0"/>
-              <a:t>10/12/2024</a:t>
+              <a:t>10/13/24</a:t>
             </a:fld>
             <a:endParaRPr lang="en-US"/>
           </a:p>
@@ -1819,7 +1824,7 @@
           <a:p>
             <a:fld id="{E34268A9-6401-456F-9641-13F51A669EB9}" type="datetimeFigureOut">
               <a:rPr lang="en-US" smtClean="0"/>
-              <a:t>10/12/2024</a:t>
+              <a:t>10/13/24</a:t>
             </a:fld>
             <a:endParaRPr lang="en-US"/>
           </a:p>
@@ -1960,7 +1965,7 @@
           <a:p>
             <a:fld id="{E34268A9-6401-456F-9641-13F51A669EB9}" type="datetimeFigureOut">
               <a:rPr lang="en-US" smtClean="0"/>
-              <a:t>10/12/2024</a:t>
+              <a:t>10/13/24</a:t>
             </a:fld>
             <a:endParaRPr lang="en-US"/>
           </a:p>
@@ -2073,7 +2078,7 @@
           <a:p>
             <a:fld id="{E34268A9-6401-456F-9641-13F51A669EB9}" type="datetimeFigureOut">
               <a:rPr lang="en-US" smtClean="0"/>
-              <a:t>10/12/2024</a:t>
+              <a:t>10/13/24</a:t>
             </a:fld>
             <a:endParaRPr lang="en-US"/>
           </a:p>
@@ -2384,7 +2389,7 @@
           <a:p>
             <a:fld id="{E34268A9-6401-456F-9641-13F51A669EB9}" type="datetimeFigureOut">
               <a:rPr lang="en-US" smtClean="0"/>
-              <a:t>10/12/2024</a:t>
+              <a:t>10/13/24</a:t>
             </a:fld>
             <a:endParaRPr lang="en-US"/>
           </a:p>
@@ -2672,7 +2677,7 @@
           <a:p>
             <a:fld id="{E34268A9-6401-456F-9641-13F51A669EB9}" type="datetimeFigureOut">
               <a:rPr lang="en-US" smtClean="0"/>
-              <a:t>10/12/2024</a:t>
+              <a:t>10/13/24</a:t>
             </a:fld>
             <a:endParaRPr lang="en-US"/>
           </a:p>
@@ -2913,7 +2918,7 @@
           <a:p>
             <a:fld id="{E34268A9-6401-456F-9641-13F51A669EB9}" type="datetimeFigureOut">
               <a:rPr lang="en-US" smtClean="0"/>
-              <a:t>10/12/2024</a:t>
+              <a:t>10/13/24</a:t>
             </a:fld>
             <a:endParaRPr lang="en-US"/>
           </a:p>
@@ -4020,10 +4025,10 @@
       </p:sp>
       <p:pic>
         <p:nvPicPr>
-          <p:cNvPr id="5" name="Content Placeholder 4" descr="A diagram of a computer&#10;&#10;Description automatically generated with medium confidence">
-            <a:extLst>
-              <a:ext uri="{FF2B5EF4-FFF2-40B4-BE49-F238E27FC236}">
-                <a16:creationId xmlns:a16="http://schemas.microsoft.com/office/drawing/2014/main" id="{D64EEC51-7D39-6013-67D2-3F4CDE833758}"/>
+          <p:cNvPr id="7" name="Tartalom helye 6" descr="A képen diagram, sor, nyugta látható&#10;&#10;Automatikusan generált leírás">
+            <a:extLst>
+              <a:ext uri="{FF2B5EF4-FFF2-40B4-BE49-F238E27FC236}">
+                <a16:creationId xmlns:a16="http://schemas.microsoft.com/office/drawing/2014/main" id="{A75AF69E-64CE-0669-2CAE-113CF9DCB3ED}"/>
               </a:ext>
             </a:extLst>
           </p:cNvPr>
@@ -4048,8 +4053,8 @@
         </p:blipFill>
         <p:spPr>
           <a:xfrm>
-            <a:off x="152379" y="1541444"/>
-            <a:ext cx="11887242" cy="5183660"/>
+            <a:off x="0" y="1344936"/>
+            <a:ext cx="12156354" cy="5297183"/>
           </a:xfrm>
         </p:spPr>
       </p:pic>
